--- a/lessons/Feb10/Class3B_sentiment.pptx
+++ b/lessons/Feb10/Class3B_sentiment.pptx
@@ -223,7 +223,7 @@
           <a:p>
             <a:fld id="{B0C0A60C-850A-4EA4-9C14-A8FE98B94505}" type="datetimeFigureOut">
               <a:rPr lang="en-US" smtClean="0"/>
-              <a:t>1/30/23</a:t>
+              <a:t>2/8/23</a:t>
             </a:fld>
             <a:endParaRPr lang="en-US"/>
           </a:p>
@@ -706,7 +706,7 @@
           <a:p>
             <a:fld id="{5738B90E-0779-4C36-915C-6F05FCD89456}" type="datetime1">
               <a:rPr lang="en-US" smtClean="0"/>
-              <a:t>1/30/23</a:t>
+              <a:t>2/8/23</a:t>
             </a:fld>
             <a:endParaRPr lang="en-US"/>
           </a:p>
@@ -903,7 +903,7 @@
           <a:p>
             <a:fld id="{7B9EA29D-D431-42FE-B7B6-AAE4454C77D3}" type="datetime1">
               <a:rPr lang="en-US" smtClean="0"/>
-              <a:t>1/30/23</a:t>
+              <a:t>2/8/23</a:t>
             </a:fld>
             <a:endParaRPr lang="en-US"/>
           </a:p>
@@ -1258,7 +1258,7 @@
           <a:p>
             <a:fld id="{690D8A1E-EA8F-46C1-B891-AE0C00D9C314}" type="datetime1">
               <a:rPr lang="en-US" smtClean="0"/>
-              <a:t>1/30/23</a:t>
+              <a:t>2/8/23</a:t>
             </a:fld>
             <a:endParaRPr lang="en-US"/>
           </a:p>
@@ -1566,7 +1566,7 @@
           <a:p>
             <a:fld id="{D753EFC8-4232-4598-94F6-94C0EBAFC469}" type="datetime1">
               <a:rPr lang="en-US" smtClean="0"/>
-              <a:t>1/30/23</a:t>
+              <a:t>2/8/23</a:t>
             </a:fld>
             <a:endParaRPr lang="en-US"/>
           </a:p>
@@ -1895,7 +1895,7 @@
           <a:p>
             <a:fld id="{F3161074-1C18-4AE7-957D-F18524378C85}" type="datetime1">
               <a:rPr lang="en-US" smtClean="0"/>
-              <a:t>1/30/23</a:t>
+              <a:t>2/8/23</a:t>
             </a:fld>
             <a:endParaRPr lang="en-US"/>
           </a:p>
@@ -2148,7 +2148,7 @@
           <a:p>
             <a:fld id="{69BE256C-8D9A-4404-B47D-41A1AE514425}" type="datetime1">
               <a:rPr lang="en-US" smtClean="0"/>
-              <a:t>1/30/23</a:t>
+              <a:t>2/8/23</a:t>
             </a:fld>
             <a:endParaRPr lang="en-US"/>
           </a:p>
@@ -2596,7 +2596,7 @@
           <a:p>
             <a:fld id="{66CB2154-9035-4012-8189-BAAB61C5A5EE}" type="datetime1">
               <a:rPr lang="en-US" smtClean="0"/>
-              <a:t>1/30/23</a:t>
+              <a:t>2/8/23</a:t>
             </a:fld>
             <a:endParaRPr lang="en-US"/>
           </a:p>
@@ -2784,7 +2784,7 @@
           <a:p>
             <a:fld id="{6700A58B-DD98-43D0-B791-721480A02982}" type="datetime1">
               <a:rPr lang="en-US" smtClean="0"/>
-              <a:t>1/30/23</a:t>
+              <a:t>2/8/23</a:t>
             </a:fld>
             <a:endParaRPr lang="en-US"/>
           </a:p>
@@ -2990,7 +2990,7 @@
           <a:p>
             <a:fld id="{7DB6E382-4F61-4E24-BE1A-377EC83D0E3A}" type="datetime1">
               <a:rPr lang="en-US" smtClean="0"/>
-              <a:t>1/30/23</a:t>
+              <a:t>2/8/23</a:t>
             </a:fld>
             <a:endParaRPr lang="en-US"/>
           </a:p>
@@ -3396,7 +3396,7 @@
           <a:p>
             <a:fld id="{4142EED6-FC16-45B9-B8C4-2BC5DBA88325}" type="datetime1">
               <a:rPr lang="en-US" smtClean="0"/>
-              <a:t>1/30/23</a:t>
+              <a:t>2/8/23</a:t>
             </a:fld>
             <a:endParaRPr lang="en-US"/>
           </a:p>
@@ -3728,7 +3728,7 @@
           <a:p>
             <a:fld id="{DF59512B-4F1D-43D7-8819-2F53FEF69650}" type="datetime1">
               <a:rPr lang="en-US" smtClean="0"/>
-              <a:t>1/30/23</a:t>
+              <a:t>2/8/23</a:t>
             </a:fld>
             <a:endParaRPr lang="en-US"/>
           </a:p>
@@ -4018,7 +4018,7 @@
           <a:p>
             <a:fld id="{08437B94-E2BF-44DC-ADC5-B05FC9934E9D}" type="datetime1">
               <a:rPr lang="en-US" smtClean="0"/>
-              <a:t>1/30/23</a:t>
+              <a:t>2/8/23</a:t>
             </a:fld>
             <a:endParaRPr lang="en-US"/>
           </a:p>
@@ -4823,7 +4823,7 @@
           <a:p>
             <a:fld id="{6700A58B-DD98-43D0-B791-721480A02982}" type="datetime1">
               <a:rPr lang="en-US" smtClean="0"/>
-              <a:t>1/30/23</a:t>
+              <a:t>2/8/23</a:t>
             </a:fld>
             <a:endParaRPr lang="en-US"/>
           </a:p>
@@ -5725,7 +5725,7 @@
           <a:p>
             <a:fld id="{6700A58B-DD98-43D0-B791-721480A02982}" type="datetime1">
               <a:rPr lang="en-US" smtClean="0"/>
-              <a:t>1/30/23</a:t>
+              <a:t>2/8/23</a:t>
             </a:fld>
             <a:endParaRPr lang="en-US"/>
           </a:p>
@@ -8179,7 +8179,7 @@
           <a:p>
             <a:fld id="{6700A58B-DD98-43D0-B791-721480A02982}" type="datetime1">
               <a:rPr lang="en-US" smtClean="0"/>
-              <a:t>1/30/23</a:t>
+              <a:t>2/8/23</a:t>
             </a:fld>
             <a:endParaRPr lang="en-US"/>
           </a:p>
@@ -9277,7 +9277,7 @@
             <a:fld id="{6700A58B-DD98-43D0-B791-721480A02982}" type="datetime1">
               <a:rPr lang="en-US" smtClean="0"/>
               <a:pPr/>
-              <a:t>1/30/23</a:t>
+              <a:t>2/8/23</a:t>
             </a:fld>
             <a:endParaRPr lang="en-US"/>
           </a:p>
@@ -10130,7 +10130,7 @@
           <a:p>
             <a:fld id="{6700A58B-DD98-43D0-B791-721480A02982}" type="datetime1">
               <a:rPr lang="en-US" smtClean="0"/>
-              <a:t>1/30/23</a:t>
+              <a:t>2/8/23</a:t>
             </a:fld>
             <a:endParaRPr lang="en-US"/>
           </a:p>
@@ -11573,7 +11573,7 @@
           <a:p>
             <a:fld id="{6700A58B-DD98-43D0-B791-721480A02982}" type="datetime1">
               <a:rPr lang="en-US" smtClean="0"/>
-              <a:t>1/30/23</a:t>
+              <a:t>2/8/23</a:t>
             </a:fld>
             <a:endParaRPr lang="en-US"/>
           </a:p>
@@ -12884,7 +12884,7 @@
           <a:p>
             <a:fld id="{6700A58B-DD98-43D0-B791-721480A02982}" type="datetime1">
               <a:rPr lang="en-US" smtClean="0"/>
-              <a:t>1/30/23</a:t>
+              <a:t>2/8/23</a:t>
             </a:fld>
             <a:endParaRPr lang="en-US"/>
           </a:p>
